--- a/Final report and slides/Capstone two slides.pptx
+++ b/Final report and slides/Capstone two slides.pptx
@@ -10,24 +10,24 @@
   <p:sldIdLst>
     <p:sldId id="256" r:id="rId2"/>
     <p:sldId id="259" r:id="rId3"/>
-    <p:sldId id="258" r:id="rId4"/>
-    <p:sldId id="269" r:id="rId5"/>
-    <p:sldId id="268" r:id="rId6"/>
-    <p:sldId id="270" r:id="rId7"/>
-    <p:sldId id="281" r:id="rId8"/>
-    <p:sldId id="283" r:id="rId9"/>
-    <p:sldId id="282" r:id="rId10"/>
-    <p:sldId id="260" r:id="rId11"/>
-    <p:sldId id="265" r:id="rId12"/>
-    <p:sldId id="272" r:id="rId13"/>
-    <p:sldId id="280" r:id="rId14"/>
-    <p:sldId id="274" r:id="rId15"/>
-    <p:sldId id="276" r:id="rId16"/>
-    <p:sldId id="275" r:id="rId17"/>
-    <p:sldId id="277" r:id="rId18"/>
-    <p:sldId id="279" r:id="rId19"/>
-    <p:sldId id="278" r:id="rId20"/>
-    <p:sldId id="267" r:id="rId21"/>
+    <p:sldId id="284" r:id="rId4"/>
+    <p:sldId id="258" r:id="rId5"/>
+    <p:sldId id="269" r:id="rId6"/>
+    <p:sldId id="268" r:id="rId7"/>
+    <p:sldId id="270" r:id="rId8"/>
+    <p:sldId id="281" r:id="rId9"/>
+    <p:sldId id="283" r:id="rId10"/>
+    <p:sldId id="282" r:id="rId11"/>
+    <p:sldId id="260" r:id="rId12"/>
+    <p:sldId id="265" r:id="rId13"/>
+    <p:sldId id="272" r:id="rId14"/>
+    <p:sldId id="280" r:id="rId15"/>
+    <p:sldId id="274" r:id="rId16"/>
+    <p:sldId id="276" r:id="rId17"/>
+    <p:sldId id="275" r:id="rId18"/>
+    <p:sldId id="277" r:id="rId19"/>
+    <p:sldId id="279" r:id="rId20"/>
+    <p:sldId id="278" r:id="rId21"/>
   </p:sldIdLst>
   <p:sldSz cx="12192000" cy="6858000"/>
   <p:notesSz cx="6858000" cy="9144000"/>
@@ -216,7 +216,7 @@
           <a:p>
             <a:fld id="{229B120A-253B-41AD-ADAB-9B6B6F3B3407}" type="datetimeFigureOut">
               <a:rPr lang="en-US" smtClean="0"/>
-              <a:t>3/26/2023</a:t>
+              <a:t>4/12/2023</a:t>
             </a:fld>
             <a:endParaRPr lang="en-US"/>
           </a:p>
@@ -532,8 +532,8 @@
               <a:buChar char="-"/>
             </a:pPr>
             <a:r>
-              <a:rPr lang="en-US" b="0" dirty="0"/>
-              <a:t>We have half male and half female in the sample</a:t>
+              <a:rPr lang="en-US" dirty="0"/>
+              <a:t>Amyl prediction is only use as secondary tool</a:t>
             </a:r>
           </a:p>
           <a:p>
@@ -542,18 +542,8 @@
               <a:buChar char="-"/>
             </a:pPr>
             <a:r>
-              <a:rPr lang="en-US" b="0" dirty="0"/>
-              <a:t>: 6 age groups 18-24, 25-34, 35-44, 45-54, 55-64, and 65+ </a:t>
-            </a:r>
-          </a:p>
-          <a:p>
-            <a:pPr marL="171450" indent="-171450">
-              <a:buFontTx/>
-              <a:buChar char="-"/>
-            </a:pPr>
-            <a:r>
-              <a:rPr lang="en-US" b="0" dirty="0"/>
-              <a:t>6 groups from “No high school degree” to “Graduate degree”</a:t>
+              <a:rPr lang="en-US" dirty="0"/>
+              <a:t>Cannabis can be primary tool</a:t>
             </a:r>
           </a:p>
         </p:txBody>
@@ -575,7 +565,7 @@
           <a:p>
             <a:fld id="{87106A95-D65C-4A4B-BDBD-C556BB1C9D84}" type="slidenum">
               <a:rPr lang="en-US" smtClean="0"/>
-              <a:t>5</a:t>
+              <a:t>3</a:t>
             </a:fld>
             <a:endParaRPr lang="en-US"/>
           </a:p>
@@ -584,7 +574,7 @@
     </p:spTree>
     <p:extLst>
       <p:ext uri="{BB962C8B-B14F-4D97-AF65-F5344CB8AC3E}">
-        <p14:creationId xmlns:p14="http://schemas.microsoft.com/office/powerpoint/2010/main" val="2145045241"/>
+        <p14:creationId xmlns:p14="http://schemas.microsoft.com/office/powerpoint/2010/main" val="587392969"/>
       </p:ext>
     </p:extLst>
   </p:cSld>
@@ -638,9 +628,49 @@
           <a:bodyPr/>
           <a:lstStyle/>
           <a:p>
+            <a:pPr marL="171450" indent="-171450">
+              <a:buFontTx/>
+              <a:buChar char="-"/>
+            </a:pPr>
             <a:r>
               <a:rPr lang="en-US" dirty="0"/>
-              <a:t>- Cross-validation scores are similar. With Gradient boosting is the best. </a:t>
+              <a:t>Step1 = </a:t>
+            </a:r>
+            <a:r>
+              <a:rPr lang="en-US" dirty="0" err="1"/>
+              <a:t>GridSearchCV</a:t>
+            </a:r>
+            <a:r>
+              <a:rPr lang="en-US" dirty="0"/>
+              <a:t> to find best </a:t>
+            </a:r>
+            <a:r>
+              <a:rPr lang="en-US" dirty="0" err="1"/>
+              <a:t>hyperparamenters</a:t>
+            </a:r>
+            <a:r>
+              <a:rPr lang="en-US" dirty="0"/>
+              <a:t>. ROC_AUC as performance measure.</a:t>
+            </a:r>
+          </a:p>
+          <a:p>
+            <a:pPr marL="171450" indent="-171450">
+              <a:buFontTx/>
+              <a:buChar char="-"/>
+            </a:pPr>
+            <a:r>
+              <a:rPr lang="en-US" dirty="0"/>
+              <a:t>Step2 =</a:t>
+            </a:r>
+          </a:p>
+          <a:p>
+            <a:pPr marL="171450" indent="-171450">
+              <a:buFontTx/>
+              <a:buChar char="-"/>
+            </a:pPr>
+            <a:r>
+              <a:rPr lang="en-US" dirty="0"/>
+              <a:t>Step3 = refit best model using all Train set, and measure performance on Test set.</a:t>
             </a:r>
           </a:p>
         </p:txBody>
@@ -671,7 +701,7 @@
     </p:spTree>
     <p:extLst>
       <p:ext uri="{BB962C8B-B14F-4D97-AF65-F5344CB8AC3E}">
-        <p14:creationId xmlns:p14="http://schemas.microsoft.com/office/powerpoint/2010/main" val="1943472274"/>
+        <p14:creationId xmlns:p14="http://schemas.microsoft.com/office/powerpoint/2010/main" val="891645619"/>
       </p:ext>
     </p:extLst>
   </p:cSld>
@@ -725,30 +755,10 @@
           <a:bodyPr/>
           <a:lstStyle/>
           <a:p>
-            <a:pPr marL="0" marR="0" lvl="0" indent="0" algn="l" defTabSz="914400" rtl="0" eaLnBrk="1" fontAlgn="auto" latinLnBrk="0" hangingPunct="1">
-              <a:lnSpc>
-                <a:spcPct val="100000"/>
-              </a:lnSpc>
-              <a:spcBef>
-                <a:spcPts val="0"/>
-              </a:spcBef>
-              <a:spcAft>
-                <a:spcPts val="0"/>
-              </a:spcAft>
-              <a:buClrTx/>
-              <a:buSzTx/>
-              <a:buFontTx/>
-              <a:buNone/>
-              <a:tabLst/>
-              <a:defRPr/>
-            </a:pPr>
             <a:r>
               <a:rPr lang="en-US" dirty="0"/>
-              <a:t>- Cross-validation scores are similar. With Logistic is the best. </a:t>
-            </a:r>
-          </a:p>
-          <a:p>
-            <a:endParaRPr lang="en-US" dirty="0"/>
+              <a:t>- Cross-validation scores are similar. With Gradient boosting is the best. </a:t>
+            </a:r>
           </a:p>
         </p:txBody>
       </p:sp>
@@ -769,7 +779,7 @@
           <a:p>
             <a:fld id="{87106A95-D65C-4A4B-BDBD-C556BB1C9D84}" type="slidenum">
               <a:rPr lang="en-US" smtClean="0"/>
-              <a:t>16</a:t>
+              <a:t>15</a:t>
             </a:fld>
             <a:endParaRPr lang="en-US"/>
           </a:p>
@@ -778,7 +788,7 @@
     </p:spTree>
     <p:extLst>
       <p:ext uri="{BB962C8B-B14F-4D97-AF65-F5344CB8AC3E}">
-        <p14:creationId xmlns:p14="http://schemas.microsoft.com/office/powerpoint/2010/main" val="2380317858"/>
+        <p14:creationId xmlns:p14="http://schemas.microsoft.com/office/powerpoint/2010/main" val="1943472274"/>
       </p:ext>
     </p:extLst>
   </p:cSld>
@@ -832,10 +842,30 @@
           <a:bodyPr/>
           <a:lstStyle/>
           <a:p>
+            <a:pPr marL="0" marR="0" lvl="0" indent="0" algn="l" defTabSz="914400" rtl="0" eaLnBrk="1" fontAlgn="auto" latinLnBrk="0" hangingPunct="1">
+              <a:lnSpc>
+                <a:spcPct val="100000"/>
+              </a:lnSpc>
+              <a:spcBef>
+                <a:spcPts val="0"/>
+              </a:spcBef>
+              <a:spcAft>
+                <a:spcPts val="0"/>
+              </a:spcAft>
+              <a:buClrTx/>
+              <a:buSzTx/>
+              <a:buFontTx/>
+              <a:buNone/>
+              <a:tabLst/>
+              <a:defRPr/>
+            </a:pPr>
             <a:r>
               <a:rPr lang="en-US" dirty="0"/>
-              <a:t>- </a:t>
-            </a:r>
+              <a:t>- Cross-validation scores are similar. With Logistic is the best. </a:t>
+            </a:r>
+          </a:p>
+          <a:p>
+            <a:endParaRPr lang="en-US" dirty="0"/>
           </a:p>
         </p:txBody>
       </p:sp>
@@ -856,7 +886,7 @@
           <a:p>
             <a:fld id="{87106A95-D65C-4A4B-BDBD-C556BB1C9D84}" type="slidenum">
               <a:rPr lang="en-US" smtClean="0"/>
-              <a:t>18</a:t>
+              <a:t>17</a:t>
             </a:fld>
             <a:endParaRPr lang="en-US"/>
           </a:p>
@@ -865,7 +895,7 @@
     </p:spTree>
     <p:extLst>
       <p:ext uri="{BB962C8B-B14F-4D97-AF65-F5344CB8AC3E}">
-        <p14:creationId xmlns:p14="http://schemas.microsoft.com/office/powerpoint/2010/main" val="448018003"/>
+        <p14:creationId xmlns:p14="http://schemas.microsoft.com/office/powerpoint/2010/main" val="2380317858"/>
       </p:ext>
     </p:extLst>
   </p:cSld>
@@ -919,7 +949,10 @@
           <a:bodyPr/>
           <a:lstStyle/>
           <a:p>
-            <a:endParaRPr lang="en-US" dirty="0"/>
+            <a:r>
+              <a:rPr lang="en-US" dirty="0"/>
+              <a:t>- </a:t>
+            </a:r>
           </a:p>
         </p:txBody>
       </p:sp>
@@ -941,6 +974,90 @@
             <a:fld id="{87106A95-D65C-4A4B-BDBD-C556BB1C9D84}" type="slidenum">
               <a:rPr lang="en-US" smtClean="0"/>
               <a:t>19</a:t>
+            </a:fld>
+            <a:endParaRPr lang="en-US"/>
+          </a:p>
+        </p:txBody>
+      </p:sp>
+    </p:spTree>
+    <p:extLst>
+      <p:ext uri="{BB962C8B-B14F-4D97-AF65-F5344CB8AC3E}">
+        <p14:creationId xmlns:p14="http://schemas.microsoft.com/office/powerpoint/2010/main" val="448018003"/>
+      </p:ext>
+    </p:extLst>
+  </p:cSld>
+  <p:clrMapOvr>
+    <a:masterClrMapping/>
+  </p:clrMapOvr>
+</p:notes>
+</file>
+
+<file path=ppt/notesSlides/notesSlide14.xml><?xml version="1.0" encoding="utf-8"?>
+<p:notes xmlns:a="http://schemas.openxmlformats.org/drawingml/2006/main" xmlns:r="http://schemas.openxmlformats.org/officeDocument/2006/relationships" xmlns:p="http://schemas.openxmlformats.org/presentationml/2006/main">
+  <p:cSld>
+    <p:spTree>
+      <p:nvGrpSpPr>
+        <p:cNvPr id="1" name=""/>
+        <p:cNvGrpSpPr/>
+        <p:nvPr/>
+      </p:nvGrpSpPr>
+      <p:grpSpPr>
+        <a:xfrm>
+          <a:off x="0" y="0"/>
+          <a:ext cx="0" cy="0"/>
+          <a:chOff x="0" y="0"/>
+          <a:chExt cx="0" cy="0"/>
+        </a:xfrm>
+      </p:grpSpPr>
+      <p:sp>
+        <p:nvSpPr>
+          <p:cNvPr id="2" name="Slide Image Placeholder 1"/>
+          <p:cNvSpPr>
+            <a:spLocks noGrp="1" noRot="1" noChangeAspect="1"/>
+          </p:cNvSpPr>
+          <p:nvPr>
+            <p:ph type="sldImg"/>
+          </p:nvPr>
+        </p:nvSpPr>
+        <p:spPr/>
+      </p:sp>
+      <p:sp>
+        <p:nvSpPr>
+          <p:cNvPr id="3" name="Notes Placeholder 2"/>
+          <p:cNvSpPr>
+            <a:spLocks noGrp="1"/>
+          </p:cNvSpPr>
+          <p:nvPr>
+            <p:ph type="body" idx="1"/>
+          </p:nvPr>
+        </p:nvSpPr>
+        <p:spPr/>
+        <p:txBody>
+          <a:bodyPr/>
+          <a:lstStyle/>
+          <a:p>
+            <a:endParaRPr lang="en-US" dirty="0"/>
+          </a:p>
+        </p:txBody>
+      </p:sp>
+      <p:sp>
+        <p:nvSpPr>
+          <p:cNvPr id="4" name="Slide Number Placeholder 3"/>
+          <p:cNvSpPr>
+            <a:spLocks noGrp="1"/>
+          </p:cNvSpPr>
+          <p:nvPr>
+            <p:ph type="sldNum" sz="quarter" idx="5"/>
+          </p:nvPr>
+        </p:nvSpPr>
+        <p:spPr/>
+        <p:txBody>
+          <a:bodyPr/>
+          <a:lstStyle/>
+          <a:p>
+            <a:fld id="{87106A95-D65C-4A4B-BDBD-C556BB1C9D84}" type="slidenum">
+              <a:rPr lang="en-US" smtClean="0"/>
+              <a:t>20</a:t>
             </a:fld>
             <a:endParaRPr lang="en-US"/>
           </a:p>
@@ -1060,7 +1177,7 @@
     </p:spTree>
     <p:extLst>
       <p:ext uri="{BB962C8B-B14F-4D97-AF65-F5344CB8AC3E}">
-        <p14:creationId xmlns:p14="http://schemas.microsoft.com/office/powerpoint/2010/main" val="1102030175"/>
+        <p14:creationId xmlns:p14="http://schemas.microsoft.com/office/powerpoint/2010/main" val="2145045241"/>
       </p:ext>
     </p:extLst>
   </p:cSld>
@@ -1171,7 +1288,7 @@
     </p:spTree>
     <p:extLst>
       <p:ext uri="{BB962C8B-B14F-4D97-AF65-F5344CB8AC3E}">
-        <p14:creationId xmlns:p14="http://schemas.microsoft.com/office/powerpoint/2010/main" val="557518937"/>
+        <p14:creationId xmlns:p14="http://schemas.microsoft.com/office/powerpoint/2010/main" val="1102030175"/>
       </p:ext>
     </p:extLst>
   </p:cSld>
@@ -1231,21 +1348,8 @@
             </a:pPr>
             <a:r>
               <a:rPr lang="en-US" b="0" dirty="0"/>
-              <a:t>As expected, drug consumption </a:t>
-            </a:r>
-            <a:r>
-              <a:rPr lang="en-US" b="0" dirty="0" err="1"/>
-              <a:t>incresase</a:t>
-            </a:r>
-            <a:r>
-              <a:rPr lang="en-US" b="0" dirty="0"/>
-              <a:t> in </a:t>
-            </a:r>
-            <a:r>
-              <a:rPr lang="en-US" b="0" dirty="0" err="1"/>
-              <a:t>Oscore</a:t>
-            </a:r>
-            <a:endParaRPr lang="en-US" b="0" dirty="0"/>
+              <a:t>We have half male and half female in the sample</a:t>
+            </a:r>
           </a:p>
           <a:p>
             <a:pPr marL="171450" indent="-171450">
@@ -1254,15 +1358,7 @@
             </a:pPr>
             <a:r>
               <a:rPr lang="en-US" b="0" dirty="0"/>
-              <a:t>Amyl consumption seems to increase in </a:t>
-            </a:r>
-            <a:r>
-              <a:rPr lang="en-US" b="0" dirty="0" err="1"/>
-              <a:t>Oscore</a:t>
-            </a:r>
-            <a:r>
-              <a:rPr lang="en-US" b="0" dirty="0"/>
-              <a:t>.</a:t>
+              <a:t>: 6 age groups 18-24, 25-34, 35-44, 45-54, 55-64, and 65+ </a:t>
             </a:r>
           </a:p>
           <a:p>
@@ -1272,7 +1368,7 @@
             </a:pPr>
             <a:r>
               <a:rPr lang="en-US" b="0" dirty="0"/>
-              <a:t>But relation is not as strong as Cannabis consumption.</a:t>
+              <a:t>6 groups from “No high school degree” to “Graduate degree”</a:t>
             </a:r>
           </a:p>
         </p:txBody>
@@ -1303,7 +1399,7 @@
     </p:spTree>
     <p:extLst>
       <p:ext uri="{BB962C8B-B14F-4D97-AF65-F5344CB8AC3E}">
-        <p14:creationId xmlns:p14="http://schemas.microsoft.com/office/powerpoint/2010/main" val="374150791"/>
+        <p14:creationId xmlns:p14="http://schemas.microsoft.com/office/powerpoint/2010/main" val="557518937"/>
       </p:ext>
     </p:extLst>
   </p:cSld>
@@ -1363,11 +1459,19 @@
             </a:pPr>
             <a:r>
               <a:rPr lang="en-US" b="0" dirty="0"/>
-              <a:t>As expected, drug consumption decreases in </a:t>
+              <a:t>As expected, drug consumption </a:t>
             </a:r>
             <a:r>
               <a:rPr lang="en-US" b="0" dirty="0" err="1"/>
-              <a:t>Cscore</a:t>
+              <a:t>incresase</a:t>
+            </a:r>
+            <a:r>
+              <a:rPr lang="en-US" b="0" dirty="0"/>
+              <a:t> in </a:t>
+            </a:r>
+            <a:r>
+              <a:rPr lang="en-US" b="0" dirty="0" err="1"/>
+              <a:t>Oscore</a:t>
             </a:r>
             <a:endParaRPr lang="en-US" b="0" dirty="0"/>
           </a:p>
@@ -1378,7 +1482,15 @@
             </a:pPr>
             <a:r>
               <a:rPr lang="en-US" b="0" dirty="0"/>
-              <a:t>Similar to the prior slide, the relationship is more clear in case of Cannabis than Amyl.</a:t>
+              <a:t>Amyl consumption seems to increase in </a:t>
+            </a:r>
+            <a:r>
+              <a:rPr lang="en-US" b="0" dirty="0" err="1"/>
+              <a:t>Oscore</a:t>
+            </a:r>
+            <a:r>
+              <a:rPr lang="en-US" b="0" dirty="0"/>
+              <a:t>.</a:t>
             </a:r>
           </a:p>
           <a:p>
@@ -1388,7 +1500,7 @@
             </a:pPr>
             <a:r>
               <a:rPr lang="en-US" b="0" dirty="0"/>
-              <a:t>Probably, predicting Cannabis user will be easier than predicting Amyl user.</a:t>
+              <a:t>But relation is not as strong as Cannabis consumption.</a:t>
             </a:r>
           </a:p>
         </p:txBody>
@@ -1419,7 +1531,7 @@
     </p:spTree>
     <p:extLst>
       <p:ext uri="{BB962C8B-B14F-4D97-AF65-F5344CB8AC3E}">
-        <p14:creationId xmlns:p14="http://schemas.microsoft.com/office/powerpoint/2010/main" val="2229483247"/>
+        <p14:creationId xmlns:p14="http://schemas.microsoft.com/office/powerpoint/2010/main" val="374150791"/>
       </p:ext>
     </p:extLst>
   </p:cSld>
@@ -1478,9 +1590,14 @@
               <a:buChar char="-"/>
             </a:pPr>
             <a:r>
-              <a:rPr lang="en-US" dirty="0"/>
-              <a:t>Amyl-user/Cannabis-user are zero-and-1 variables. We still can calculate correlation with features.</a:t>
-            </a:r>
+              <a:rPr lang="en-US" b="0" dirty="0"/>
+              <a:t>As expected, drug consumption decreases in </a:t>
+            </a:r>
+            <a:r>
+              <a:rPr lang="en-US" b="0" dirty="0" err="1"/>
+              <a:t>Cscore</a:t>
+            </a:r>
+            <a:endParaRPr lang="en-US" b="0" dirty="0"/>
           </a:p>
           <a:p>
             <a:pPr marL="171450" indent="-171450">
@@ -1488,16 +1605,8 @@
               <a:buChar char="-"/>
             </a:pPr>
             <a:r>
-              <a:rPr lang="en-US" dirty="0"/>
-              <a:t>Again, </a:t>
-            </a:r>
-            <a:r>
-              <a:rPr lang="en-US" dirty="0" err="1"/>
-              <a:t>collelation</a:t>
-            </a:r>
-            <a:r>
-              <a:rPr lang="en-US" dirty="0"/>
-              <a:t> for Amyl is much smaller compared to correlation with Cannabis =&gt; harder to predict Amyl user.</a:t>
+              <a:rPr lang="en-US" b="0" dirty="0"/>
+              <a:t>Similar to the prior slide, the relationship is more clear in case of Cannabis than Amyl.</a:t>
             </a:r>
           </a:p>
           <a:p>
@@ -1506,18 +1615,8 @@
               <a:buChar char="-"/>
             </a:pPr>
             <a:r>
-              <a:rPr lang="en-US" dirty="0"/>
-              <a:t>Some high correlation among personality traits =&gt; we might have multicollinearity issues</a:t>
-            </a:r>
-          </a:p>
-          <a:p>
-            <a:pPr marL="171450" indent="-171450">
-              <a:buFontTx/>
-              <a:buChar char="-"/>
-            </a:pPr>
-            <a:r>
-              <a:rPr lang="en-US" dirty="0"/>
-              <a:t>=&gt; might be a subset of features will better predict the target than using all features.</a:t>
+              <a:rPr lang="en-US" b="0" dirty="0"/>
+              <a:t>Probably, predicting Cannabis user will be easier than predicting Amyl user.</a:t>
             </a:r>
           </a:p>
         </p:txBody>
@@ -1548,7 +1647,7 @@
     </p:spTree>
     <p:extLst>
       <p:ext uri="{BB962C8B-B14F-4D97-AF65-F5344CB8AC3E}">
-        <p14:creationId xmlns:p14="http://schemas.microsoft.com/office/powerpoint/2010/main" val="3593603395"/>
+        <p14:creationId xmlns:p14="http://schemas.microsoft.com/office/powerpoint/2010/main" val="2229483247"/>
       </p:ext>
     </p:extLst>
   </p:cSld>
@@ -1602,9 +1701,51 @@
           <a:bodyPr/>
           <a:lstStyle/>
           <a:p>
+            <a:pPr marL="171450" indent="-171450">
+              <a:buFontTx/>
+              <a:buChar char="-"/>
+            </a:pPr>
             <a:r>
               <a:rPr lang="en-US" dirty="0"/>
-              <a:t>- For Amyl user, personality traits are very important predictors.</a:t>
+              <a:t>Amyl-user/Cannabis-user are zero-and-1 variables. We still can calculate correlation with features.</a:t>
+            </a:r>
+          </a:p>
+          <a:p>
+            <a:pPr marL="171450" indent="-171450">
+              <a:buFontTx/>
+              <a:buChar char="-"/>
+            </a:pPr>
+            <a:r>
+              <a:rPr lang="en-US" dirty="0"/>
+              <a:t>Again, </a:t>
+            </a:r>
+            <a:r>
+              <a:rPr lang="en-US" dirty="0" err="1"/>
+              <a:t>collelation</a:t>
+            </a:r>
+            <a:r>
+              <a:rPr lang="en-US" dirty="0"/>
+              <a:t> for Amyl is much smaller compared to correlation with Cannabis =&gt; harder to predict Amyl user.</a:t>
+            </a:r>
+          </a:p>
+          <a:p>
+            <a:pPr marL="171450" indent="-171450">
+              <a:buFontTx/>
+              <a:buChar char="-"/>
+            </a:pPr>
+            <a:r>
+              <a:rPr lang="en-US" dirty="0"/>
+              <a:t>Some high correlation among personality traits =&gt; we might have multicollinearity issues</a:t>
+            </a:r>
+          </a:p>
+          <a:p>
+            <a:pPr marL="171450" indent="-171450">
+              <a:buFontTx/>
+              <a:buChar char="-"/>
+            </a:pPr>
+            <a:r>
+              <a:rPr lang="en-US" dirty="0"/>
+              <a:t>=&gt; might be a subset of features will better predict the target than using all features.</a:t>
             </a:r>
           </a:p>
         </p:txBody>
@@ -1635,7 +1776,7 @@
     </p:spTree>
     <p:extLst>
       <p:ext uri="{BB962C8B-B14F-4D97-AF65-F5344CB8AC3E}">
-        <p14:creationId xmlns:p14="http://schemas.microsoft.com/office/powerpoint/2010/main" val="1066865149"/>
+        <p14:creationId xmlns:p14="http://schemas.microsoft.com/office/powerpoint/2010/main" val="3593603395"/>
       </p:ext>
     </p:extLst>
   </p:cSld>
@@ -1689,33 +1830,9 @@
           <a:bodyPr/>
           <a:lstStyle/>
           <a:p>
-            <a:pPr marL="171450" indent="-171450">
-              <a:buFontTx/>
-              <a:buChar char="-"/>
-            </a:pPr>
             <a:r>
               <a:rPr lang="en-US" dirty="0"/>
-              <a:t>For Cannabis, different from Amyl.</a:t>
-            </a:r>
-          </a:p>
-          <a:p>
-            <a:pPr marL="171450" indent="-171450">
-              <a:buFontTx/>
-              <a:buChar char="-"/>
-            </a:pPr>
-            <a:r>
-              <a:rPr lang="en-US" dirty="0"/>
-              <a:t>Personality traits are still important; but now we have Age and Country.</a:t>
-            </a:r>
-          </a:p>
-          <a:p>
-            <a:pPr marL="171450" indent="-171450">
-              <a:buFontTx/>
-              <a:buChar char="-"/>
-            </a:pPr>
-            <a:r>
-              <a:rPr lang="en-US" dirty="0"/>
-              <a:t>Cannabis and Amyl are different drugs: one is recreational, the other is illegal.</a:t>
+              <a:t>- For Amyl user, personality traits are very important predictors.</a:t>
             </a:r>
           </a:p>
         </p:txBody>
@@ -1746,7 +1863,7 @@
     </p:spTree>
     <p:extLst>
       <p:ext uri="{BB962C8B-B14F-4D97-AF65-F5344CB8AC3E}">
-        <p14:creationId xmlns:p14="http://schemas.microsoft.com/office/powerpoint/2010/main" val="1597310026"/>
+        <p14:creationId xmlns:p14="http://schemas.microsoft.com/office/powerpoint/2010/main" val="1066865149"/>
       </p:ext>
     </p:extLst>
   </p:cSld>
@@ -1806,23 +1923,7 @@
             </a:pPr>
             <a:r>
               <a:rPr lang="en-US" dirty="0"/>
-              <a:t>Step1 = </a:t>
-            </a:r>
-            <a:r>
-              <a:rPr lang="en-US" dirty="0" err="1"/>
-              <a:t>GridSearchCV</a:t>
-            </a:r>
-            <a:r>
-              <a:rPr lang="en-US" dirty="0"/>
-              <a:t> to find best </a:t>
-            </a:r>
-            <a:r>
-              <a:rPr lang="en-US" dirty="0" err="1"/>
-              <a:t>hyperparamenters</a:t>
-            </a:r>
-            <a:r>
-              <a:rPr lang="en-US" dirty="0"/>
-              <a:t>. ROC_AUC as performance measure.</a:t>
+              <a:t>For Cannabis, different from Amyl.</a:t>
             </a:r>
           </a:p>
           <a:p>
@@ -1832,7 +1933,7 @@
             </a:pPr>
             <a:r>
               <a:rPr lang="en-US" dirty="0"/>
-              <a:t>Step2 =</a:t>
+              <a:t>Personality traits are still important; but now we have Age and Country.</a:t>
             </a:r>
           </a:p>
           <a:p>
@@ -1842,7 +1943,7 @@
             </a:pPr>
             <a:r>
               <a:rPr lang="en-US" dirty="0"/>
-              <a:t>Step3 = refit best model using all Train set, and measure performance on Test set.</a:t>
+              <a:t>Cannabis and Amyl are different drugs: one is recreational, the other is illegal.</a:t>
             </a:r>
           </a:p>
         </p:txBody>
@@ -1873,7 +1974,7 @@
     </p:spTree>
     <p:extLst>
       <p:ext uri="{BB962C8B-B14F-4D97-AF65-F5344CB8AC3E}">
-        <p14:creationId xmlns:p14="http://schemas.microsoft.com/office/powerpoint/2010/main" val="891645619"/>
+        <p14:creationId xmlns:p14="http://schemas.microsoft.com/office/powerpoint/2010/main" val="1597310026"/>
       </p:ext>
     </p:extLst>
   </p:cSld>
@@ -2030,7 +2131,7 @@
           <a:p>
             <a:fld id="{6A320758-2F9F-4EFC-88F6-3F2689B460D7}" type="datetimeFigureOut">
               <a:rPr lang="en-US" smtClean="0"/>
-              <a:t>3/26/2023</a:t>
+              <a:t>4/12/2023</a:t>
             </a:fld>
             <a:endParaRPr lang="en-US"/>
           </a:p>
@@ -2228,7 +2329,7 @@
           <a:p>
             <a:fld id="{6A320758-2F9F-4EFC-88F6-3F2689B460D7}" type="datetimeFigureOut">
               <a:rPr lang="en-US" smtClean="0"/>
-              <a:t>3/26/2023</a:t>
+              <a:t>4/12/2023</a:t>
             </a:fld>
             <a:endParaRPr lang="en-US"/>
           </a:p>
@@ -2436,7 +2537,7 @@
           <a:p>
             <a:fld id="{6A320758-2F9F-4EFC-88F6-3F2689B460D7}" type="datetimeFigureOut">
               <a:rPr lang="en-US" smtClean="0"/>
-              <a:t>3/26/2023</a:t>
+              <a:t>4/12/2023</a:t>
             </a:fld>
             <a:endParaRPr lang="en-US"/>
           </a:p>
@@ -2634,7 +2735,7 @@
           <a:p>
             <a:fld id="{6A320758-2F9F-4EFC-88F6-3F2689B460D7}" type="datetimeFigureOut">
               <a:rPr lang="en-US" smtClean="0"/>
-              <a:t>3/26/2023</a:t>
+              <a:t>4/12/2023</a:t>
             </a:fld>
             <a:endParaRPr lang="en-US"/>
           </a:p>
@@ -2909,7 +3010,7 @@
           <a:p>
             <a:fld id="{6A320758-2F9F-4EFC-88F6-3F2689B460D7}" type="datetimeFigureOut">
               <a:rPr lang="en-US" smtClean="0"/>
-              <a:t>3/26/2023</a:t>
+              <a:t>4/12/2023</a:t>
             </a:fld>
             <a:endParaRPr lang="en-US"/>
           </a:p>
@@ -3174,7 +3275,7 @@
           <a:p>
             <a:fld id="{6A320758-2F9F-4EFC-88F6-3F2689B460D7}" type="datetimeFigureOut">
               <a:rPr lang="en-US" smtClean="0"/>
-              <a:t>3/26/2023</a:t>
+              <a:t>4/12/2023</a:t>
             </a:fld>
             <a:endParaRPr lang="en-US"/>
           </a:p>
@@ -3586,7 +3687,7 @@
           <a:p>
             <a:fld id="{6A320758-2F9F-4EFC-88F6-3F2689B460D7}" type="datetimeFigureOut">
               <a:rPr lang="en-US" smtClean="0"/>
-              <a:t>3/26/2023</a:t>
+              <a:t>4/12/2023</a:t>
             </a:fld>
             <a:endParaRPr lang="en-US"/>
           </a:p>
@@ -3727,7 +3828,7 @@
           <a:p>
             <a:fld id="{6A320758-2F9F-4EFC-88F6-3F2689B460D7}" type="datetimeFigureOut">
               <a:rPr lang="en-US" smtClean="0"/>
-              <a:t>3/26/2023</a:t>
+              <a:t>4/12/2023</a:t>
             </a:fld>
             <a:endParaRPr lang="en-US"/>
           </a:p>
@@ -3840,7 +3941,7 @@
           <a:p>
             <a:fld id="{6A320758-2F9F-4EFC-88F6-3F2689B460D7}" type="datetimeFigureOut">
               <a:rPr lang="en-US" smtClean="0"/>
-              <a:t>3/26/2023</a:t>
+              <a:t>4/12/2023</a:t>
             </a:fld>
             <a:endParaRPr lang="en-US"/>
           </a:p>
@@ -4151,7 +4252,7 @@
           <a:p>
             <a:fld id="{6A320758-2F9F-4EFC-88F6-3F2689B460D7}" type="datetimeFigureOut">
               <a:rPr lang="en-US" smtClean="0"/>
-              <a:t>3/26/2023</a:t>
+              <a:t>4/12/2023</a:t>
             </a:fld>
             <a:endParaRPr lang="en-US"/>
           </a:p>
@@ -4439,7 +4540,7 @@
           <a:p>
             <a:fld id="{6A320758-2F9F-4EFC-88F6-3F2689B460D7}" type="datetimeFigureOut">
               <a:rPr lang="en-US" smtClean="0"/>
-              <a:t>3/26/2023</a:t>
+              <a:t>4/12/2023</a:t>
             </a:fld>
             <a:endParaRPr lang="en-US"/>
           </a:p>
@@ -4680,7 +4781,7 @@
           <a:p>
             <a:fld id="{6A320758-2F9F-4EFC-88F6-3F2689B460D7}" type="datetimeFigureOut">
               <a:rPr lang="en-US" smtClean="0"/>
-              <a:t>3/26/2023</a:t>
+              <a:t>4/12/2023</a:t>
             </a:fld>
             <a:endParaRPr lang="en-US"/>
           </a:p>
@@ -5225,6 +5326,184 @@
           <a:chExt cx="0" cy="0"/>
         </a:xfrm>
       </p:grpSpPr>
+      <p:sp>
+        <p:nvSpPr>
+          <p:cNvPr id="2" name="Title 1">
+            <a:extLst>
+              <a:ext uri="{FF2B5EF4-FFF2-40B4-BE49-F238E27FC236}">
+                <a16:creationId xmlns:a16="http://schemas.microsoft.com/office/drawing/2014/main" id="{553CC5AE-27C1-9A56-ECBC-B3EB829462AD}"/>
+              </a:ext>
+            </a:extLst>
+          </p:cNvPr>
+          <p:cNvSpPr>
+            <a:spLocks noGrp="1"/>
+          </p:cNvSpPr>
+          <p:nvPr>
+            <p:ph type="title"/>
+          </p:nvPr>
+        </p:nvSpPr>
+        <p:spPr>
+          <a:xfrm>
+            <a:off x="323273" y="217350"/>
+            <a:ext cx="11545454" cy="734002"/>
+          </a:xfrm>
+        </p:spPr>
+        <p:txBody>
+          <a:bodyPr/>
+          <a:lstStyle/>
+          <a:p>
+            <a:r>
+              <a:rPr lang="en-US" dirty="0"/>
+              <a:t>Target-feature relationship</a:t>
+            </a:r>
+          </a:p>
+        </p:txBody>
+      </p:sp>
+      <p:pic>
+        <p:nvPicPr>
+          <p:cNvPr id="7" name="image16.png" descr="Chart, bar chart&#10;&#10;Description automatically generated">
+            <a:extLst>
+              <a:ext uri="{FF2B5EF4-FFF2-40B4-BE49-F238E27FC236}">
+                <a16:creationId xmlns:a16="http://schemas.microsoft.com/office/drawing/2014/main" id="{8F0E1A45-FB44-B798-745F-6682DA772E6D}"/>
+              </a:ext>
+            </a:extLst>
+          </p:cNvPr>
+          <p:cNvPicPr/>
+          <p:nvPr/>
+        </p:nvPicPr>
+        <p:blipFill>
+          <a:blip r:embed="rId3"/>
+          <a:srcRect/>
+          <a:stretch>
+            <a:fillRect/>
+          </a:stretch>
+        </p:blipFill>
+        <p:spPr>
+          <a:xfrm>
+            <a:off x="2549711" y="1916943"/>
+            <a:ext cx="7018037" cy="4138171"/>
+          </a:xfrm>
+          <a:prstGeom prst="rect">
+            <a:avLst/>
+          </a:prstGeom>
+          <a:ln/>
+        </p:spPr>
+      </p:pic>
+      <p:sp>
+        <p:nvSpPr>
+          <p:cNvPr id="8" name="Title 1">
+            <a:extLst>
+              <a:ext uri="{FF2B5EF4-FFF2-40B4-BE49-F238E27FC236}">
+                <a16:creationId xmlns:a16="http://schemas.microsoft.com/office/drawing/2014/main" id="{084E5C39-4AE2-5FE7-0DED-6B91A9D434DC}"/>
+              </a:ext>
+            </a:extLst>
+          </p:cNvPr>
+          <p:cNvSpPr txBox="1">
+            <a:spLocks/>
+          </p:cNvSpPr>
+          <p:nvPr/>
+        </p:nvSpPr>
+        <p:spPr>
+          <a:xfrm>
+            <a:off x="323272" y="1050324"/>
+            <a:ext cx="11545453" cy="902044"/>
+          </a:xfrm>
+          <a:prstGeom prst="rect">
+            <a:avLst/>
+          </a:prstGeom>
+        </p:spPr>
+        <p:txBody>
+          <a:bodyPr vert="horz" lIns="91440" tIns="45720" rIns="91440" bIns="45720" rtlCol="0" anchor="ctr">
+            <a:normAutofit/>
+          </a:bodyPr>
+          <a:lstStyle>
+            <a:lvl1pPr algn="l" defTabSz="914400" rtl="0" eaLnBrk="1" latinLnBrk="0" hangingPunct="1">
+              <a:lnSpc>
+                <a:spcPct val="90000"/>
+              </a:lnSpc>
+              <a:spcBef>
+                <a:spcPct val="0"/>
+              </a:spcBef>
+              <a:buNone/>
+              <a:defRPr sz="4400" kern="1200">
+                <a:solidFill>
+                  <a:schemeClr val="tx1"/>
+                </a:solidFill>
+                <a:latin typeface="+mj-lt"/>
+                <a:ea typeface="+mj-ea"/>
+                <a:cs typeface="+mj-cs"/>
+              </a:defRPr>
+            </a:lvl1pPr>
+          </a:lstStyle>
+          <a:p>
+            <a:pPr algn="ctr"/>
+            <a:r>
+              <a:rPr lang="en-US" sz="2800" dirty="0">
+                <a:effectLst/>
+                <a:latin typeface="+mn-lt"/>
+                <a:ea typeface="Times New Roman" panose="02020603050405020304" pitchFamily="18" charset="0"/>
+              </a:rPr>
+              <a:t>Drug Consumption Across </a:t>
+            </a:r>
+            <a:r>
+              <a:rPr lang="en-US" sz="2800" dirty="0" err="1">
+                <a:latin typeface="+mn-lt"/>
+                <a:ea typeface="Times New Roman" panose="02020603050405020304" pitchFamily="18" charset="0"/>
+              </a:rPr>
+              <a:t>C</a:t>
+            </a:r>
+            <a:r>
+              <a:rPr lang="en-US" sz="2800" dirty="0" err="1">
+                <a:effectLst/>
+                <a:latin typeface="+mn-lt"/>
+                <a:ea typeface="Times New Roman" panose="02020603050405020304" pitchFamily="18" charset="0"/>
+              </a:rPr>
+              <a:t>score</a:t>
+            </a:r>
+            <a:r>
+              <a:rPr lang="en-US" sz="2800" dirty="0">
+                <a:effectLst/>
+                <a:latin typeface="+mn-lt"/>
+                <a:ea typeface="Times New Roman" panose="02020603050405020304" pitchFamily="18" charset="0"/>
+              </a:rPr>
+              <a:t> (Conscientiousness) Quintiles</a:t>
+            </a:r>
+            <a:endParaRPr lang="en-US" sz="2800" dirty="0">
+              <a:latin typeface="+mn-lt"/>
+            </a:endParaRPr>
+          </a:p>
+        </p:txBody>
+      </p:sp>
+    </p:spTree>
+    <p:extLst>
+      <p:ext uri="{BB962C8B-B14F-4D97-AF65-F5344CB8AC3E}">
+        <p14:creationId xmlns:p14="http://schemas.microsoft.com/office/powerpoint/2010/main" val="1386719357"/>
+      </p:ext>
+    </p:extLst>
+  </p:cSld>
+  <p:clrMapOvr>
+    <a:masterClrMapping/>
+  </p:clrMapOvr>
+</p:sld>
+</file>
+
+<file path=ppt/slides/slide11.xml><?xml version="1.0" encoding="utf-8"?>
+<p:sld xmlns:a="http://schemas.openxmlformats.org/drawingml/2006/main" xmlns:r="http://schemas.openxmlformats.org/officeDocument/2006/relationships" xmlns:p="http://schemas.openxmlformats.org/presentationml/2006/main">
+  <p:cSld>
+    <p:spTree>
+      <p:nvGrpSpPr>
+        <p:cNvPr id="1" name=""/>
+        <p:cNvGrpSpPr/>
+        <p:nvPr/>
+      </p:nvGrpSpPr>
+      <p:grpSpPr>
+        <a:xfrm>
+          <a:off x="0" y="0"/>
+          <a:ext cx="0" cy="0"/>
+          <a:chOff x="0" y="0"/>
+          <a:chExt cx="0" cy="0"/>
+        </a:xfrm>
+      </p:grpSpPr>
       <p:pic>
         <p:nvPicPr>
           <p:cNvPr id="4" name="image3.png" descr="A screenshot of a computer&#10;&#10;Description automatically generated with medium confidence">
@@ -5698,7 +5977,7 @@
 </p:sld>
 </file>
 
-<file path=ppt/slides/slide11.xml><?xml version="1.0" encoding="utf-8"?>
+<file path=ppt/slides/slide12.xml><?xml version="1.0" encoding="utf-8"?>
 <p:sld xmlns:a="http://schemas.openxmlformats.org/drawingml/2006/main" xmlns:r="http://schemas.openxmlformats.org/officeDocument/2006/relationships" xmlns:p="http://schemas.openxmlformats.org/presentationml/2006/main">
   <p:cSld>
     <p:spTree>
@@ -5800,7 +6079,7 @@
 </p:sld>
 </file>
 
-<file path=ppt/slides/slide12.xml><?xml version="1.0" encoding="utf-8"?>
+<file path=ppt/slides/slide13.xml><?xml version="1.0" encoding="utf-8"?>
 <p:sld xmlns:a="http://schemas.openxmlformats.org/drawingml/2006/main" xmlns:r="http://schemas.openxmlformats.org/officeDocument/2006/relationships" xmlns:p="http://schemas.openxmlformats.org/presentationml/2006/main">
   <p:cSld>
     <p:spTree>
@@ -5902,7 +6181,7 @@
 </p:sld>
 </file>
 
-<file path=ppt/slides/slide13.xml><?xml version="1.0" encoding="utf-8"?>
+<file path=ppt/slides/slide14.xml><?xml version="1.0" encoding="utf-8"?>
 <p:sld xmlns:a="http://schemas.openxmlformats.org/drawingml/2006/main" xmlns:r="http://schemas.openxmlformats.org/officeDocument/2006/relationships" xmlns:p="http://schemas.openxmlformats.org/presentationml/2006/main">
   <p:cSld>
     <p:spTree>
@@ -6205,7 +6484,7 @@
 </p:sld>
 </file>
 
-<file path=ppt/slides/slide14.xml><?xml version="1.0" encoding="utf-8"?>
+<file path=ppt/slides/slide15.xml><?xml version="1.0" encoding="utf-8"?>
 <p:sld xmlns:a="http://schemas.openxmlformats.org/drawingml/2006/main" xmlns:r="http://schemas.openxmlformats.org/officeDocument/2006/relationships" xmlns:p="http://schemas.openxmlformats.org/presentationml/2006/main">
   <p:cSld>
     <p:spTree>
@@ -7264,7 +7543,7 @@
 </p:sld>
 </file>
 
-<file path=ppt/slides/slide15.xml><?xml version="1.0" encoding="utf-8"?>
+<file path=ppt/slides/slide16.xml><?xml version="1.0" encoding="utf-8"?>
 <p:sld xmlns:a="http://schemas.openxmlformats.org/drawingml/2006/main" xmlns:r="http://schemas.openxmlformats.org/officeDocument/2006/relationships" xmlns:p="http://schemas.openxmlformats.org/presentationml/2006/main">
   <p:cSld>
     <p:spTree>
@@ -7798,7 +8077,7 @@
 </p:sld>
 </file>
 
-<file path=ppt/slides/slide16.xml><?xml version="1.0" encoding="utf-8"?>
+<file path=ppt/slides/slide17.xml><?xml version="1.0" encoding="utf-8"?>
 <p:sld xmlns:a="http://schemas.openxmlformats.org/drawingml/2006/main" xmlns:r="http://schemas.openxmlformats.org/officeDocument/2006/relationships" xmlns:p="http://schemas.openxmlformats.org/presentationml/2006/main">
   <p:cSld>
     <p:spTree>
@@ -8721,7 +9000,7 @@
 </p:sld>
 </file>
 
-<file path=ppt/slides/slide17.xml><?xml version="1.0" encoding="utf-8"?>
+<file path=ppt/slides/slide18.xml><?xml version="1.0" encoding="utf-8"?>
 <p:sld xmlns:a="http://schemas.openxmlformats.org/drawingml/2006/main" xmlns:r="http://schemas.openxmlformats.org/officeDocument/2006/relationships" xmlns:p="http://schemas.openxmlformats.org/presentationml/2006/main">
   <p:cSld>
     <p:spTree>
@@ -9255,7 +9534,7 @@
 </p:sld>
 </file>
 
-<file path=ppt/slides/slide18.xml><?xml version="1.0" encoding="utf-8"?>
+<file path=ppt/slides/slide19.xml><?xml version="1.0" encoding="utf-8"?>
 <p:sld xmlns:a="http://schemas.openxmlformats.org/drawingml/2006/main" xmlns:r="http://schemas.openxmlformats.org/officeDocument/2006/relationships" xmlns:p="http://schemas.openxmlformats.org/presentationml/2006/main">
   <p:cSld>
     <p:spTree>
@@ -9502,117 +9781,6 @@
       </p:par>
     </p:tnLst>
   </p:timing>
-</p:sld>
-</file>
-
-<file path=ppt/slides/slide19.xml><?xml version="1.0" encoding="utf-8"?>
-<p:sld xmlns:a="http://schemas.openxmlformats.org/drawingml/2006/main" xmlns:r="http://schemas.openxmlformats.org/officeDocument/2006/relationships" xmlns:p="http://schemas.openxmlformats.org/presentationml/2006/main">
-  <p:cSld>
-    <p:spTree>
-      <p:nvGrpSpPr>
-        <p:cNvPr id="1" name=""/>
-        <p:cNvGrpSpPr/>
-        <p:nvPr/>
-      </p:nvGrpSpPr>
-      <p:grpSpPr>
-        <a:xfrm>
-          <a:off x="0" y="0"/>
-          <a:ext cx="0" cy="0"/>
-          <a:chOff x="0" y="0"/>
-          <a:chExt cx="0" cy="0"/>
-        </a:xfrm>
-      </p:grpSpPr>
-      <p:sp>
-        <p:nvSpPr>
-          <p:cNvPr id="2" name="Title 1">
-            <a:extLst>
-              <a:ext uri="{FF2B5EF4-FFF2-40B4-BE49-F238E27FC236}">
-                <a16:creationId xmlns:a16="http://schemas.microsoft.com/office/drawing/2014/main" id="{553CC5AE-27C1-9A56-ECBC-B3EB829462AD}"/>
-              </a:ext>
-            </a:extLst>
-          </p:cNvPr>
-          <p:cNvSpPr>
-            <a:spLocks noGrp="1"/>
-          </p:cNvSpPr>
-          <p:nvPr>
-            <p:ph type="title"/>
-          </p:nvPr>
-        </p:nvSpPr>
-        <p:spPr>
-          <a:xfrm>
-            <a:off x="323273" y="217350"/>
-            <a:ext cx="11545454" cy="734002"/>
-          </a:xfrm>
-        </p:spPr>
-        <p:txBody>
-          <a:bodyPr/>
-          <a:lstStyle/>
-          <a:p>
-            <a:r>
-              <a:rPr lang="en-US" dirty="0"/>
-              <a:t>Future Work</a:t>
-            </a:r>
-          </a:p>
-        </p:txBody>
-      </p:sp>
-      <p:sp>
-        <p:nvSpPr>
-          <p:cNvPr id="3" name="Content Placeholder 2">
-            <a:extLst>
-              <a:ext uri="{FF2B5EF4-FFF2-40B4-BE49-F238E27FC236}">
-                <a16:creationId xmlns:a16="http://schemas.microsoft.com/office/drawing/2014/main" id="{9EF840DC-174D-B07B-B573-B204D3A4FFEE}"/>
-              </a:ext>
-            </a:extLst>
-          </p:cNvPr>
-          <p:cNvSpPr>
-            <a:spLocks noGrp="1"/>
-          </p:cNvSpPr>
-          <p:nvPr>
-            <p:ph idx="1"/>
-          </p:nvPr>
-        </p:nvSpPr>
-        <p:spPr>
-          <a:xfrm>
-            <a:off x="323273" y="951352"/>
-            <a:ext cx="11563927" cy="5615703"/>
-          </a:xfrm>
-        </p:spPr>
-        <p:txBody>
-          <a:bodyPr>
-            <a:normAutofit/>
-          </a:bodyPr>
-          <a:lstStyle/>
-          <a:p>
-            <a:r>
-              <a:rPr lang="en-US" dirty="0">
-                <a:ea typeface="Calibri" panose="020F0502020204030204" pitchFamily="34" charset="0"/>
-                <a:cs typeface="Times New Roman" panose="02020603050405020304" pitchFamily="18" charset="0"/>
-              </a:rPr>
-              <a:t>Data validity check</a:t>
-            </a:r>
-          </a:p>
-          <a:p>
-            <a:r>
-              <a:rPr lang="en-US" dirty="0">
-                <a:ea typeface="Calibri" panose="020F0502020204030204" pitchFamily="34" charset="0"/>
-                <a:cs typeface="Times New Roman" panose="02020603050405020304" pitchFamily="18" charset="0"/>
-              </a:rPr>
-              <a:t>Interaction terms among demographic and personal features</a:t>
-            </a:r>
-            <a:endParaRPr lang="en-US" dirty="0"/>
-          </a:p>
-        </p:txBody>
-      </p:sp>
-    </p:spTree>
-    <p:extLst>
-      <p:ext uri="{BB962C8B-B14F-4D97-AF65-F5344CB8AC3E}">
-        <p14:creationId xmlns:p14="http://schemas.microsoft.com/office/powerpoint/2010/main" val="320585238"/>
-      </p:ext>
-    </p:extLst>
-  </p:cSld>
-  <p:clrMapOvr>
-    <a:masterClrMapping/>
-  </p:clrMapOvr>
 </p:sld>
 </file>
 
@@ -9943,7 +10111,7 @@
           <a:p>
             <a:r>
               <a:rPr lang="en-US" dirty="0"/>
-              <a:t>References</a:t>
+              <a:t>Future Work and References</a:t>
             </a:r>
           </a:p>
         </p:txBody>
@@ -9971,148 +10139,182 @@
           </a:xfrm>
         </p:spPr>
         <p:txBody>
-          <a:bodyPr/>
+          <a:bodyPr>
+            <a:normAutofit/>
+          </a:bodyPr>
           <a:lstStyle/>
           <a:p>
             <a:r>
-              <a:rPr lang="en-US" sz="1800" dirty="0">
+              <a:rPr lang="en-US" dirty="0">
+                <a:ea typeface="Calibri" panose="020F0502020204030204" pitchFamily="34" charset="0"/>
+                <a:cs typeface="Times New Roman" panose="02020603050405020304" pitchFamily="18" charset="0"/>
+              </a:rPr>
+              <a:t>Data validity check</a:t>
+            </a:r>
+          </a:p>
+          <a:p>
+            <a:r>
+              <a:rPr lang="en-US" dirty="0">
+                <a:ea typeface="Calibri" panose="020F0502020204030204" pitchFamily="34" charset="0"/>
+                <a:cs typeface="Times New Roman" panose="02020603050405020304" pitchFamily="18" charset="0"/>
+              </a:rPr>
+              <a:t>Interaction terms among demographic and personal features</a:t>
+            </a:r>
+          </a:p>
+          <a:p>
+            <a:endParaRPr lang="en-US" dirty="0">
+              <a:ea typeface="Calibri" panose="020F0502020204030204" pitchFamily="34" charset="0"/>
+              <a:cs typeface="Times New Roman" panose="02020603050405020304" pitchFamily="18" charset="0"/>
+            </a:endParaRPr>
+          </a:p>
+          <a:p>
+            <a:endParaRPr lang="en-US" dirty="0">
+              <a:ea typeface="Calibri" panose="020F0502020204030204" pitchFamily="34" charset="0"/>
+              <a:cs typeface="Times New Roman" panose="02020603050405020304" pitchFamily="18" charset="0"/>
+            </a:endParaRPr>
+          </a:p>
+          <a:p>
+            <a:r>
+              <a:rPr lang="en-US" dirty="0">
+                <a:ea typeface="Calibri" panose="020F0502020204030204" pitchFamily="34" charset="0"/>
+                <a:cs typeface="Times New Roman" panose="02020603050405020304" pitchFamily="18" charset="0"/>
+              </a:rPr>
+              <a:t>References:</a:t>
+            </a:r>
+          </a:p>
+          <a:p>
+            <a:pPr lvl="1"/>
+            <a:r>
+              <a:rPr lang="en-US" dirty="0">
                 <a:effectLst/>
-                <a:latin typeface="Times New Roman" panose="02020603050405020304" pitchFamily="18" charset="0"/>
                 <a:ea typeface="Calibri" panose="020F0502020204030204" pitchFamily="34" charset="0"/>
                 <a:cs typeface="Times New Roman" panose="02020603050405020304" pitchFamily="18" charset="0"/>
               </a:rPr>
               <a:t>E. </a:t>
             </a:r>
             <a:r>
-              <a:rPr lang="en-US" sz="1800" dirty="0" err="1">
+              <a:rPr lang="en-US" dirty="0" err="1">
                 <a:effectLst/>
-                <a:latin typeface="Times New Roman" panose="02020603050405020304" pitchFamily="18" charset="0"/>
                 <a:ea typeface="Calibri" panose="020F0502020204030204" pitchFamily="34" charset="0"/>
                 <a:cs typeface="Times New Roman" panose="02020603050405020304" pitchFamily="18" charset="0"/>
               </a:rPr>
               <a:t>Fehrman</a:t>
             </a:r>
             <a:r>
-              <a:rPr lang="en-US" sz="1800" dirty="0">
+              <a:rPr lang="en-US" dirty="0">
                 <a:effectLst/>
-                <a:latin typeface="Times New Roman" panose="02020603050405020304" pitchFamily="18" charset="0"/>
                 <a:ea typeface="Calibri" panose="020F0502020204030204" pitchFamily="34" charset="0"/>
                 <a:cs typeface="Times New Roman" panose="02020603050405020304" pitchFamily="18" charset="0"/>
               </a:rPr>
               <a:t>, A. K. Muhammad, E. M. </a:t>
             </a:r>
             <a:r>
-              <a:rPr lang="en-US" sz="1800" dirty="0" err="1">
+              <a:rPr lang="en-US" dirty="0" err="1">
                 <a:effectLst/>
-                <a:latin typeface="Times New Roman" panose="02020603050405020304" pitchFamily="18" charset="0"/>
                 <a:ea typeface="Calibri" panose="020F0502020204030204" pitchFamily="34" charset="0"/>
                 <a:cs typeface="Times New Roman" panose="02020603050405020304" pitchFamily="18" charset="0"/>
               </a:rPr>
               <a:t>Mirkes</a:t>
             </a:r>
             <a:r>
-              <a:rPr lang="en-US" sz="1800" dirty="0">
+              <a:rPr lang="en-US" dirty="0">
                 <a:effectLst/>
-                <a:latin typeface="Times New Roman" panose="02020603050405020304" pitchFamily="18" charset="0"/>
                 <a:ea typeface="Calibri" panose="020F0502020204030204" pitchFamily="34" charset="0"/>
                 <a:cs typeface="Times New Roman" panose="02020603050405020304" pitchFamily="18" charset="0"/>
               </a:rPr>
               <a:t>, V. Egan and A. N. </a:t>
             </a:r>
             <a:r>
-              <a:rPr lang="en-US" sz="1800" dirty="0" err="1">
+              <a:rPr lang="en-US" dirty="0" err="1">
                 <a:effectLst/>
-                <a:latin typeface="Times New Roman" panose="02020603050405020304" pitchFamily="18" charset="0"/>
                 <a:ea typeface="Calibri" panose="020F0502020204030204" pitchFamily="34" charset="0"/>
                 <a:cs typeface="Times New Roman" panose="02020603050405020304" pitchFamily="18" charset="0"/>
               </a:rPr>
               <a:t>Gorban</a:t>
             </a:r>
             <a:r>
-              <a:rPr lang="en-US" sz="1800" dirty="0">
+              <a:rPr lang="en-US" dirty="0">
                 <a:effectLst/>
-                <a:latin typeface="Times New Roman" panose="02020603050405020304" pitchFamily="18" charset="0"/>
                 <a:ea typeface="Calibri" panose="020F0502020204030204" pitchFamily="34" charset="0"/>
                 <a:cs typeface="Times New Roman" panose="02020603050405020304" pitchFamily="18" charset="0"/>
               </a:rPr>
               <a:t>, "The Five Factor Model of personality and evaluation of drug consumption risk.," </a:t>
             </a:r>
             <a:r>
-              <a:rPr lang="en-US" sz="1800" dirty="0" err="1">
+              <a:rPr lang="en-US" dirty="0" err="1">
                 <a:effectLst/>
-                <a:latin typeface="Times New Roman" panose="02020603050405020304" pitchFamily="18" charset="0"/>
                 <a:ea typeface="Calibri" panose="020F0502020204030204" pitchFamily="34" charset="0"/>
                 <a:cs typeface="Times New Roman" panose="02020603050405020304" pitchFamily="18" charset="0"/>
               </a:rPr>
               <a:t>arXiv</a:t>
             </a:r>
             <a:r>
-              <a:rPr lang="en-US" sz="1800" dirty="0">
+              <a:rPr lang="en-US" dirty="0">
                 <a:effectLst/>
-                <a:latin typeface="Times New Roman" panose="02020603050405020304" pitchFamily="18" charset="0"/>
                 <a:ea typeface="Calibri" panose="020F0502020204030204" pitchFamily="34" charset="0"/>
                 <a:cs typeface="Times New Roman" panose="02020603050405020304" pitchFamily="18" charset="0"/>
               </a:rPr>
               <a:t> </a:t>
             </a:r>
             <a:r>
-              <a:rPr lang="en-US" sz="1800" u="none" strike="noStrike" dirty="0">
+              <a:rPr lang="en-US" u="none" strike="noStrike" dirty="0">
                 <a:solidFill>
                   <a:srgbClr val="0563C1"/>
                 </a:solidFill>
                 <a:effectLst/>
-                <a:latin typeface="Times New Roman" panose="02020603050405020304" pitchFamily="18" charset="0"/>
                 <a:ea typeface="Calibri" panose="020F0502020204030204" pitchFamily="34" charset="0"/>
                 <a:cs typeface="Times New Roman" panose="02020603050405020304" pitchFamily="18" charset="0"/>
-                <a:hlinkClick r:id="rId2"/>
+                <a:hlinkClick r:id="rId3"/>
               </a:rPr>
               <a:t>[Web Link]</a:t>
             </a:r>
             <a:r>
-              <a:rPr lang="en-US" sz="1800" dirty="0">
+              <a:rPr lang="en-US" dirty="0">
                 <a:effectLst/>
-                <a:latin typeface="Times New Roman" panose="02020603050405020304" pitchFamily="18" charset="0"/>
                 <a:ea typeface="Calibri" panose="020F0502020204030204" pitchFamily="34" charset="0"/>
                 <a:cs typeface="Times New Roman" panose="02020603050405020304" pitchFamily="18" charset="0"/>
               </a:rPr>
               <a:t>, 2015</a:t>
             </a:r>
-            <a:endParaRPr lang="en-US" sz="1800" dirty="0">
+            <a:endParaRPr lang="en-US" dirty="0">
               <a:effectLst/>
-              <a:latin typeface="Times New Roman" panose="02020603050405020304" pitchFamily="18" charset="0"/>
               <a:ea typeface="Calibri" panose="020F0502020204030204" pitchFamily="34" charset="0"/>
               <a:cs typeface="Calibri" panose="020F0502020204030204" pitchFamily="34" charset="0"/>
             </a:endParaRPr>
           </a:p>
           <a:p>
-            <a:endParaRPr lang="en-US" sz="1800" dirty="0">
-              <a:effectLst/>
-              <a:latin typeface="Times New Roman" panose="02020603050405020304" pitchFamily="18" charset="0"/>
-              <a:ea typeface="Times New Roman" panose="02020603050405020304" pitchFamily="18" charset="0"/>
-            </a:endParaRPr>
-          </a:p>
-          <a:p>
-            <a:r>
-              <a:rPr lang="en-US" sz="1200" dirty="0">
-                <a:hlinkClick r:id="rId3"/>
+            <a:pPr lvl="1"/>
+            <a:r>
+              <a:rPr lang="en-US" dirty="0">
+                <a:hlinkClick r:id="rId4"/>
               </a:rPr>
               <a:t>UCI Machine Learning Repository: Drug consumption (quantified) Data Set</a:t>
             </a:r>
-            <a:endParaRPr lang="en-US" sz="1200" dirty="0"/>
-          </a:p>
-          <a:p>
-            <a:endParaRPr lang="en-US" sz="1800" dirty="0">
-              <a:latin typeface="Times New Roman" panose="02020603050405020304" pitchFamily="18" charset="0"/>
-              <a:ea typeface="Times New Roman" panose="02020603050405020304" pitchFamily="18" charset="0"/>
-            </a:endParaRPr>
-          </a:p>
-          <a:p>
-            <a:r>
-              <a:rPr lang="en-US" sz="1200" dirty="0">
-                <a:hlinkClick r:id="rId4"/>
+            <a:endParaRPr lang="en-US" dirty="0"/>
+          </a:p>
+          <a:p>
+            <a:pPr lvl="1"/>
+            <a:r>
+              <a:rPr lang="en-US" dirty="0">
+                <a:hlinkClick r:id="rId5"/>
               </a:rPr>
               <a:t>Opioids: Drug overdose deaths among seniors have more than tripled in 2 decades (cnbc.com)</a:t>
             </a:r>
+            <a:endParaRPr lang="en-US" dirty="0"/>
+          </a:p>
+          <a:p>
+            <a:endParaRPr lang="en-US" dirty="0">
+              <a:ea typeface="Calibri" panose="020F0502020204030204" pitchFamily="34" charset="0"/>
+              <a:cs typeface="Times New Roman" panose="02020603050405020304" pitchFamily="18" charset="0"/>
+            </a:endParaRPr>
+          </a:p>
+          <a:p>
+            <a:endParaRPr lang="en-US" dirty="0">
+              <a:ea typeface="Calibri" panose="020F0502020204030204" pitchFamily="34" charset="0"/>
+              <a:cs typeface="Times New Roman" panose="02020603050405020304" pitchFamily="18" charset="0"/>
+            </a:endParaRPr>
+          </a:p>
+          <a:p>
             <a:endParaRPr lang="en-US" dirty="0"/>
           </a:p>
         </p:txBody>
@@ -10120,17 +10322,629 @@
     </p:spTree>
     <p:extLst>
       <p:ext uri="{BB962C8B-B14F-4D97-AF65-F5344CB8AC3E}">
-        <p14:creationId xmlns:p14="http://schemas.microsoft.com/office/powerpoint/2010/main" val="426548834"/>
+        <p14:creationId xmlns:p14="http://schemas.microsoft.com/office/powerpoint/2010/main" val="320585238"/>
       </p:ext>
     </p:extLst>
   </p:cSld>
   <p:clrMapOvr>
     <a:masterClrMapping/>
   </p:clrMapOvr>
+  <p:timing>
+    <p:tnLst>
+      <p:par>
+        <p:cTn id="1" dur="indefinite" restart="never" nodeType="tmRoot">
+          <p:childTnLst>
+            <p:seq concurrent="1" nextAc="seek">
+              <p:cTn id="2" dur="indefinite" nodeType="mainSeq">
+                <p:childTnLst>
+                  <p:par>
+                    <p:cTn id="3" fill="hold">
+                      <p:stCondLst>
+                        <p:cond delay="indefinite"/>
+                      </p:stCondLst>
+                      <p:childTnLst>
+                        <p:par>
+                          <p:cTn id="4" fill="hold">
+                            <p:stCondLst>
+                              <p:cond delay="0"/>
+                            </p:stCondLst>
+                            <p:childTnLst>
+                              <p:par>
+                                <p:cTn id="5" presetID="1" presetClass="entr" presetSubtype="0" fill="hold" nodeType="clickEffect">
+                                  <p:stCondLst>
+                                    <p:cond delay="0"/>
+                                  </p:stCondLst>
+                                  <p:childTnLst>
+                                    <p:set>
+                                      <p:cBhvr>
+                                        <p:cTn id="6" dur="1" fill="hold">
+                                          <p:stCondLst>
+                                            <p:cond delay="0"/>
+                                          </p:stCondLst>
+                                        </p:cTn>
+                                        <p:tgtEl>
+                                          <p:spTgt spid="3">
+                                            <p:txEl>
+                                              <p:pRg st="4" end="4"/>
+                                            </p:txEl>
+                                          </p:spTgt>
+                                        </p:tgtEl>
+                                        <p:attrNameLst>
+                                          <p:attrName>style.visibility</p:attrName>
+                                        </p:attrNameLst>
+                                      </p:cBhvr>
+                                      <p:to>
+                                        <p:strVal val="visible"/>
+                                      </p:to>
+                                    </p:set>
+                                  </p:childTnLst>
+                                </p:cTn>
+                              </p:par>
+                              <p:par>
+                                <p:cTn id="7" presetID="1" presetClass="entr" presetSubtype="0" fill="hold" nodeType="withEffect">
+                                  <p:stCondLst>
+                                    <p:cond delay="0"/>
+                                  </p:stCondLst>
+                                  <p:childTnLst>
+                                    <p:set>
+                                      <p:cBhvr>
+                                        <p:cTn id="8" dur="1" fill="hold">
+                                          <p:stCondLst>
+                                            <p:cond delay="0"/>
+                                          </p:stCondLst>
+                                        </p:cTn>
+                                        <p:tgtEl>
+                                          <p:spTgt spid="3">
+                                            <p:txEl>
+                                              <p:pRg st="5" end="5"/>
+                                            </p:txEl>
+                                          </p:spTgt>
+                                        </p:tgtEl>
+                                        <p:attrNameLst>
+                                          <p:attrName>style.visibility</p:attrName>
+                                        </p:attrNameLst>
+                                      </p:cBhvr>
+                                      <p:to>
+                                        <p:strVal val="visible"/>
+                                      </p:to>
+                                    </p:set>
+                                  </p:childTnLst>
+                                </p:cTn>
+                              </p:par>
+                              <p:par>
+                                <p:cTn id="9" presetID="1" presetClass="entr" presetSubtype="0" fill="hold" nodeType="withEffect">
+                                  <p:stCondLst>
+                                    <p:cond delay="0"/>
+                                  </p:stCondLst>
+                                  <p:childTnLst>
+                                    <p:set>
+                                      <p:cBhvr>
+                                        <p:cTn id="10" dur="1" fill="hold">
+                                          <p:stCondLst>
+                                            <p:cond delay="0"/>
+                                          </p:stCondLst>
+                                        </p:cTn>
+                                        <p:tgtEl>
+                                          <p:spTgt spid="3">
+                                            <p:txEl>
+                                              <p:pRg st="6" end="6"/>
+                                            </p:txEl>
+                                          </p:spTgt>
+                                        </p:tgtEl>
+                                        <p:attrNameLst>
+                                          <p:attrName>style.visibility</p:attrName>
+                                        </p:attrNameLst>
+                                      </p:cBhvr>
+                                      <p:to>
+                                        <p:strVal val="visible"/>
+                                      </p:to>
+                                    </p:set>
+                                  </p:childTnLst>
+                                </p:cTn>
+                              </p:par>
+                              <p:par>
+                                <p:cTn id="11" presetID="1" presetClass="entr" presetSubtype="0" fill="hold" nodeType="withEffect">
+                                  <p:stCondLst>
+                                    <p:cond delay="0"/>
+                                  </p:stCondLst>
+                                  <p:childTnLst>
+                                    <p:set>
+                                      <p:cBhvr>
+                                        <p:cTn id="12" dur="1" fill="hold">
+                                          <p:stCondLst>
+                                            <p:cond delay="0"/>
+                                          </p:stCondLst>
+                                        </p:cTn>
+                                        <p:tgtEl>
+                                          <p:spTgt spid="3">
+                                            <p:txEl>
+                                              <p:pRg st="7" end="7"/>
+                                            </p:txEl>
+                                          </p:spTgt>
+                                        </p:tgtEl>
+                                        <p:attrNameLst>
+                                          <p:attrName>style.visibility</p:attrName>
+                                        </p:attrNameLst>
+                                      </p:cBhvr>
+                                      <p:to>
+                                        <p:strVal val="visible"/>
+                                      </p:to>
+                                    </p:set>
+                                  </p:childTnLst>
+                                </p:cTn>
+                              </p:par>
+                            </p:childTnLst>
+                          </p:cTn>
+                        </p:par>
+                      </p:childTnLst>
+                    </p:cTn>
+                  </p:par>
+                </p:childTnLst>
+              </p:cTn>
+              <p:prevCondLst>
+                <p:cond evt="onPrev" delay="0">
+                  <p:tgtEl>
+                    <p:sldTgt/>
+                  </p:tgtEl>
+                </p:cond>
+              </p:prevCondLst>
+              <p:nextCondLst>
+                <p:cond evt="onNext" delay="0">
+                  <p:tgtEl>
+                    <p:sldTgt/>
+                  </p:tgtEl>
+                </p:cond>
+              </p:nextCondLst>
+            </p:seq>
+          </p:childTnLst>
+        </p:cTn>
+      </p:par>
+    </p:tnLst>
+  </p:timing>
 </p:sld>
 </file>
 
 <file path=ppt/slides/slide3.xml><?xml version="1.0" encoding="utf-8"?>
+<p:sld xmlns:a="http://schemas.openxmlformats.org/drawingml/2006/main" xmlns:r="http://schemas.openxmlformats.org/officeDocument/2006/relationships" xmlns:p="http://schemas.openxmlformats.org/presentationml/2006/main">
+  <p:cSld>
+    <p:spTree>
+      <p:nvGrpSpPr>
+        <p:cNvPr id="1" name=""/>
+        <p:cNvGrpSpPr/>
+        <p:nvPr/>
+      </p:nvGrpSpPr>
+      <p:grpSpPr>
+        <a:xfrm>
+          <a:off x="0" y="0"/>
+          <a:ext cx="0" cy="0"/>
+          <a:chOff x="0" y="0"/>
+          <a:chExt cx="0" cy="0"/>
+        </a:xfrm>
+      </p:grpSpPr>
+      <p:sp>
+        <p:nvSpPr>
+          <p:cNvPr id="2" name="Title 1">
+            <a:extLst>
+              <a:ext uri="{FF2B5EF4-FFF2-40B4-BE49-F238E27FC236}">
+                <a16:creationId xmlns:a16="http://schemas.microsoft.com/office/drawing/2014/main" id="{553CC5AE-27C1-9A56-ECBC-B3EB829462AD}"/>
+              </a:ext>
+            </a:extLst>
+          </p:cNvPr>
+          <p:cNvSpPr>
+            <a:spLocks noGrp="1"/>
+          </p:cNvSpPr>
+          <p:nvPr>
+            <p:ph type="title"/>
+          </p:nvPr>
+        </p:nvSpPr>
+        <p:spPr>
+          <a:xfrm>
+            <a:off x="323273" y="217350"/>
+            <a:ext cx="11545454" cy="734002"/>
+          </a:xfrm>
+        </p:spPr>
+        <p:txBody>
+          <a:bodyPr/>
+          <a:lstStyle/>
+          <a:p>
+            <a:r>
+              <a:rPr lang="en-US" dirty="0"/>
+              <a:t>Overview and agenda</a:t>
+            </a:r>
+          </a:p>
+        </p:txBody>
+      </p:sp>
+      <p:sp>
+        <p:nvSpPr>
+          <p:cNvPr id="3" name="Content Placeholder 2">
+            <a:extLst>
+              <a:ext uri="{FF2B5EF4-FFF2-40B4-BE49-F238E27FC236}">
+                <a16:creationId xmlns:a16="http://schemas.microsoft.com/office/drawing/2014/main" id="{9EF840DC-174D-B07B-B573-B204D3A4FFEE}"/>
+              </a:ext>
+            </a:extLst>
+          </p:cNvPr>
+          <p:cNvSpPr>
+            <a:spLocks noGrp="1"/>
+          </p:cNvSpPr>
+          <p:nvPr>
+            <p:ph idx="1"/>
+          </p:nvPr>
+        </p:nvSpPr>
+        <p:spPr>
+          <a:xfrm>
+            <a:off x="323273" y="951352"/>
+            <a:ext cx="11563927" cy="5615703"/>
+          </a:xfrm>
+        </p:spPr>
+        <p:txBody>
+          <a:bodyPr>
+            <a:normAutofit/>
+          </a:bodyPr>
+          <a:lstStyle/>
+          <a:p>
+            <a:r>
+              <a:rPr lang="en-US" dirty="0">
+                <a:effectLst/>
+                <a:ea typeface="Calibri" panose="020F0502020204030204" pitchFamily="34" charset="0"/>
+                <a:cs typeface="Times New Roman" panose="02020603050405020304" pitchFamily="18" charset="0"/>
+              </a:rPr>
+              <a:t>Overview of results</a:t>
+            </a:r>
+          </a:p>
+          <a:p>
+            <a:pPr lvl="1"/>
+            <a:r>
+              <a:rPr lang="en-US" dirty="0">
+                <a:effectLst/>
+                <a:ea typeface="Calibri" panose="020F0502020204030204" pitchFamily="34" charset="0"/>
+                <a:cs typeface="Times New Roman" panose="02020603050405020304" pitchFamily="18" charset="0"/>
+              </a:rPr>
+              <a:t>Amyl user prediction - low precision (50%)</a:t>
+            </a:r>
+          </a:p>
+          <a:p>
+            <a:pPr lvl="1"/>
+            <a:r>
+              <a:rPr lang="en-US" dirty="0">
+                <a:effectLst/>
+                <a:ea typeface="Calibri" panose="020F0502020204030204" pitchFamily="34" charset="0"/>
+                <a:cs typeface="Times New Roman" panose="02020603050405020304" pitchFamily="18" charset="0"/>
+              </a:rPr>
+              <a:t>Cannabis user prediction - high precision (90%)</a:t>
+            </a:r>
+          </a:p>
+          <a:p>
+            <a:pPr lvl="1"/>
+            <a:endParaRPr lang="en-US" dirty="0">
+              <a:ea typeface="Calibri" panose="020F0502020204030204" pitchFamily="34" charset="0"/>
+              <a:cs typeface="Times New Roman" panose="02020603050405020304" pitchFamily="18" charset="0"/>
+            </a:endParaRPr>
+          </a:p>
+          <a:p>
+            <a:r>
+              <a:rPr lang="en-US" dirty="0">
+                <a:effectLst/>
+                <a:ea typeface="Calibri" panose="020F0502020204030204" pitchFamily="34" charset="0"/>
+                <a:cs typeface="Times New Roman" panose="02020603050405020304" pitchFamily="18" charset="0"/>
+              </a:rPr>
+              <a:t>Agenda</a:t>
+            </a:r>
+          </a:p>
+          <a:p>
+            <a:pPr lvl="1"/>
+            <a:r>
+              <a:rPr lang="en-US" dirty="0">
+                <a:ea typeface="Calibri" panose="020F0502020204030204" pitchFamily="34" charset="0"/>
+                <a:cs typeface="Times New Roman" panose="02020603050405020304" pitchFamily="18" charset="0"/>
+              </a:rPr>
+              <a:t>Dataset</a:t>
+            </a:r>
+          </a:p>
+          <a:p>
+            <a:pPr lvl="1"/>
+            <a:r>
+              <a:rPr lang="en-US" dirty="0">
+                <a:effectLst/>
+                <a:ea typeface="Calibri" panose="020F0502020204030204" pitchFamily="34" charset="0"/>
+                <a:cs typeface="Times New Roman" panose="02020603050405020304" pitchFamily="18" charset="0"/>
+              </a:rPr>
+              <a:t>Target, features, and correlation</a:t>
+            </a:r>
+          </a:p>
+          <a:p>
+            <a:pPr lvl="1"/>
+            <a:r>
+              <a:rPr lang="en-US" dirty="0">
+                <a:effectLst/>
+                <a:ea typeface="Calibri" panose="020F0502020204030204" pitchFamily="34" charset="0"/>
+                <a:cs typeface="Times New Roman" panose="02020603050405020304" pitchFamily="18" charset="0"/>
+              </a:rPr>
+              <a:t>Feature importance analysis</a:t>
+            </a:r>
+          </a:p>
+          <a:p>
+            <a:pPr lvl="1"/>
+            <a:r>
+              <a:rPr lang="en-US" dirty="0">
+                <a:effectLst/>
+                <a:ea typeface="Calibri" panose="020F0502020204030204" pitchFamily="34" charset="0"/>
+                <a:cs typeface="Times New Roman" panose="02020603050405020304" pitchFamily="18" charset="0"/>
+              </a:rPr>
+              <a:t>Modeling and performance on unseen data</a:t>
+            </a:r>
+          </a:p>
+          <a:p>
+            <a:pPr lvl="1"/>
+            <a:r>
+              <a:rPr lang="en-US" dirty="0">
+                <a:effectLst/>
+                <a:ea typeface="Calibri" panose="020F0502020204030204" pitchFamily="34" charset="0"/>
+                <a:cs typeface="Times New Roman" panose="02020603050405020304" pitchFamily="18" charset="0"/>
+              </a:rPr>
+              <a:t>Conclusion and future work</a:t>
+            </a:r>
+          </a:p>
+          <a:p>
+            <a:pPr lvl="1"/>
+            <a:endParaRPr lang="en-US" dirty="0">
+              <a:effectLst/>
+              <a:ea typeface="Calibri" panose="020F0502020204030204" pitchFamily="34" charset="0"/>
+              <a:cs typeface="Times New Roman" panose="02020603050405020304" pitchFamily="18" charset="0"/>
+            </a:endParaRPr>
+          </a:p>
+          <a:p>
+            <a:endParaRPr lang="en-US" dirty="0"/>
+          </a:p>
+        </p:txBody>
+      </p:sp>
+    </p:spTree>
+    <p:extLst>
+      <p:ext uri="{BB962C8B-B14F-4D97-AF65-F5344CB8AC3E}">
+        <p14:creationId xmlns:p14="http://schemas.microsoft.com/office/powerpoint/2010/main" val="2065444294"/>
+      </p:ext>
+    </p:extLst>
+  </p:cSld>
+  <p:clrMapOvr>
+    <a:masterClrMapping/>
+  </p:clrMapOvr>
+  <p:timing>
+    <p:tnLst>
+      <p:par>
+        <p:cTn id="1" dur="indefinite" restart="never" nodeType="tmRoot">
+          <p:childTnLst>
+            <p:seq concurrent="1" nextAc="seek">
+              <p:cTn id="2" dur="indefinite" nodeType="mainSeq">
+                <p:childTnLst>
+                  <p:par>
+                    <p:cTn id="3" fill="hold">
+                      <p:stCondLst>
+                        <p:cond delay="indefinite"/>
+                      </p:stCondLst>
+                      <p:childTnLst>
+                        <p:par>
+                          <p:cTn id="4" fill="hold">
+                            <p:stCondLst>
+                              <p:cond delay="0"/>
+                            </p:stCondLst>
+                            <p:childTnLst>
+                              <p:par>
+                                <p:cTn id="5" presetID="1" presetClass="entr" presetSubtype="0" fill="hold" nodeType="clickEffect">
+                                  <p:stCondLst>
+                                    <p:cond delay="0"/>
+                                  </p:stCondLst>
+                                  <p:childTnLst>
+                                    <p:set>
+                                      <p:cBhvr>
+                                        <p:cTn id="6" dur="1" fill="hold">
+                                          <p:stCondLst>
+                                            <p:cond delay="0"/>
+                                          </p:stCondLst>
+                                        </p:cTn>
+                                        <p:tgtEl>
+                                          <p:spTgt spid="3">
+                                            <p:txEl>
+                                              <p:pRg st="4" end="4"/>
+                                            </p:txEl>
+                                          </p:spTgt>
+                                        </p:tgtEl>
+                                        <p:attrNameLst>
+                                          <p:attrName>style.visibility</p:attrName>
+                                        </p:attrNameLst>
+                                      </p:cBhvr>
+                                      <p:to>
+                                        <p:strVal val="visible"/>
+                                      </p:to>
+                                    </p:set>
+                                  </p:childTnLst>
+                                </p:cTn>
+                              </p:par>
+                              <p:par>
+                                <p:cTn id="7" presetID="1" presetClass="entr" presetSubtype="0" fill="hold" nodeType="withEffect">
+                                  <p:stCondLst>
+                                    <p:cond delay="0"/>
+                                  </p:stCondLst>
+                                  <p:childTnLst>
+                                    <p:set>
+                                      <p:cBhvr>
+                                        <p:cTn id="8" dur="1" fill="hold">
+                                          <p:stCondLst>
+                                            <p:cond delay="0"/>
+                                          </p:stCondLst>
+                                        </p:cTn>
+                                        <p:tgtEl>
+                                          <p:spTgt spid="3">
+                                            <p:txEl>
+                                              <p:pRg st="5" end="5"/>
+                                            </p:txEl>
+                                          </p:spTgt>
+                                        </p:tgtEl>
+                                        <p:attrNameLst>
+                                          <p:attrName>style.visibility</p:attrName>
+                                        </p:attrNameLst>
+                                      </p:cBhvr>
+                                      <p:to>
+                                        <p:strVal val="visible"/>
+                                      </p:to>
+                                    </p:set>
+                                  </p:childTnLst>
+                                </p:cTn>
+                              </p:par>
+                              <p:par>
+                                <p:cTn id="9" presetID="1" presetClass="entr" presetSubtype="0" fill="hold" nodeType="withEffect">
+                                  <p:stCondLst>
+                                    <p:cond delay="0"/>
+                                  </p:stCondLst>
+                                  <p:childTnLst>
+                                    <p:set>
+                                      <p:cBhvr>
+                                        <p:cTn id="10" dur="1" fill="hold">
+                                          <p:stCondLst>
+                                            <p:cond delay="0"/>
+                                          </p:stCondLst>
+                                        </p:cTn>
+                                        <p:tgtEl>
+                                          <p:spTgt spid="3">
+                                            <p:txEl>
+                                              <p:pRg st="6" end="6"/>
+                                            </p:txEl>
+                                          </p:spTgt>
+                                        </p:tgtEl>
+                                        <p:attrNameLst>
+                                          <p:attrName>style.visibility</p:attrName>
+                                        </p:attrNameLst>
+                                      </p:cBhvr>
+                                      <p:to>
+                                        <p:strVal val="visible"/>
+                                      </p:to>
+                                    </p:set>
+                                  </p:childTnLst>
+                                </p:cTn>
+                              </p:par>
+                              <p:par>
+                                <p:cTn id="11" presetID="1" presetClass="entr" presetSubtype="0" fill="hold" nodeType="withEffect">
+                                  <p:stCondLst>
+                                    <p:cond delay="0"/>
+                                  </p:stCondLst>
+                                  <p:childTnLst>
+                                    <p:set>
+                                      <p:cBhvr>
+                                        <p:cTn id="12" dur="1" fill="hold">
+                                          <p:stCondLst>
+                                            <p:cond delay="0"/>
+                                          </p:stCondLst>
+                                        </p:cTn>
+                                        <p:tgtEl>
+                                          <p:spTgt spid="3">
+                                            <p:txEl>
+                                              <p:pRg st="7" end="7"/>
+                                            </p:txEl>
+                                          </p:spTgt>
+                                        </p:tgtEl>
+                                        <p:attrNameLst>
+                                          <p:attrName>style.visibility</p:attrName>
+                                        </p:attrNameLst>
+                                      </p:cBhvr>
+                                      <p:to>
+                                        <p:strVal val="visible"/>
+                                      </p:to>
+                                    </p:set>
+                                  </p:childTnLst>
+                                </p:cTn>
+                              </p:par>
+                              <p:par>
+                                <p:cTn id="13" presetID="1" presetClass="entr" presetSubtype="0" fill="hold" nodeType="withEffect">
+                                  <p:stCondLst>
+                                    <p:cond delay="0"/>
+                                  </p:stCondLst>
+                                  <p:childTnLst>
+                                    <p:set>
+                                      <p:cBhvr>
+                                        <p:cTn id="14" dur="1" fill="hold">
+                                          <p:stCondLst>
+                                            <p:cond delay="0"/>
+                                          </p:stCondLst>
+                                        </p:cTn>
+                                        <p:tgtEl>
+                                          <p:spTgt spid="3">
+                                            <p:txEl>
+                                              <p:pRg st="8" end="8"/>
+                                            </p:txEl>
+                                          </p:spTgt>
+                                        </p:tgtEl>
+                                        <p:attrNameLst>
+                                          <p:attrName>style.visibility</p:attrName>
+                                        </p:attrNameLst>
+                                      </p:cBhvr>
+                                      <p:to>
+                                        <p:strVal val="visible"/>
+                                      </p:to>
+                                    </p:set>
+                                  </p:childTnLst>
+                                </p:cTn>
+                              </p:par>
+                              <p:par>
+                                <p:cTn id="15" presetID="1" presetClass="entr" presetSubtype="0" fill="hold" nodeType="withEffect">
+                                  <p:stCondLst>
+                                    <p:cond delay="0"/>
+                                  </p:stCondLst>
+                                  <p:childTnLst>
+                                    <p:set>
+                                      <p:cBhvr>
+                                        <p:cTn id="16" dur="1" fill="hold">
+                                          <p:stCondLst>
+                                            <p:cond delay="0"/>
+                                          </p:stCondLst>
+                                        </p:cTn>
+                                        <p:tgtEl>
+                                          <p:spTgt spid="3">
+                                            <p:txEl>
+                                              <p:pRg st="9" end="9"/>
+                                            </p:txEl>
+                                          </p:spTgt>
+                                        </p:tgtEl>
+                                        <p:attrNameLst>
+                                          <p:attrName>style.visibility</p:attrName>
+                                        </p:attrNameLst>
+                                      </p:cBhvr>
+                                      <p:to>
+                                        <p:strVal val="visible"/>
+                                      </p:to>
+                                    </p:set>
+                                  </p:childTnLst>
+                                </p:cTn>
+                              </p:par>
+                            </p:childTnLst>
+                          </p:cTn>
+                        </p:par>
+                      </p:childTnLst>
+                    </p:cTn>
+                  </p:par>
+                </p:childTnLst>
+              </p:cTn>
+              <p:prevCondLst>
+                <p:cond evt="onPrev" delay="0">
+                  <p:tgtEl>
+                    <p:sldTgt/>
+                  </p:tgtEl>
+                </p:cond>
+              </p:prevCondLst>
+              <p:nextCondLst>
+                <p:cond evt="onNext" delay="0">
+                  <p:tgtEl>
+                    <p:sldTgt/>
+                  </p:tgtEl>
+                </p:cond>
+              </p:nextCondLst>
+            </p:seq>
+          </p:childTnLst>
+        </p:cTn>
+      </p:par>
+    </p:tnLst>
+  </p:timing>
+</p:sld>
+</file>
+
+<file path=ppt/slides/slide4.xml><?xml version="1.0" encoding="utf-8"?>
 <p:sld xmlns:a="http://schemas.openxmlformats.org/drawingml/2006/main" xmlns:r="http://schemas.openxmlformats.org/officeDocument/2006/relationships" xmlns:p="http://schemas.openxmlformats.org/presentationml/2006/main">
   <p:cSld>
     <p:spTree>
@@ -10930,7 +11744,7 @@
 </p:sld>
 </file>
 
-<file path=ppt/slides/slide4.xml><?xml version="1.0" encoding="utf-8"?>
+<file path=ppt/slides/slide5.xml><?xml version="1.0" encoding="utf-8"?>
 <p:sld xmlns:a="http://schemas.openxmlformats.org/drawingml/2006/main" xmlns:r="http://schemas.openxmlformats.org/officeDocument/2006/relationships" xmlns:p="http://schemas.openxmlformats.org/presentationml/2006/main">
   <p:cSld>
     <p:spTree>
@@ -11076,7 +11890,7 @@
 </p:sld>
 </file>
 
-<file path=ppt/slides/slide5.xml><?xml version="1.0" encoding="utf-8"?>
+<file path=ppt/slides/slide6.xml><?xml version="1.0" encoding="utf-8"?>
 <p:sld xmlns:a="http://schemas.openxmlformats.org/drawingml/2006/main" xmlns:r="http://schemas.openxmlformats.org/officeDocument/2006/relationships" xmlns:p="http://schemas.openxmlformats.org/presentationml/2006/main">
   <p:cSld>
     <p:spTree>
@@ -11299,7 +12113,7 @@
 </p:sld>
 </file>
 
-<file path=ppt/slides/slide6.xml><?xml version="1.0" encoding="utf-8"?>
+<file path=ppt/slides/slide7.xml><?xml version="1.0" encoding="utf-8"?>
 <p:sld xmlns:a="http://schemas.openxmlformats.org/drawingml/2006/main" xmlns:r="http://schemas.openxmlformats.org/officeDocument/2006/relationships" xmlns:p="http://schemas.openxmlformats.org/presentationml/2006/main">
   <p:cSld>
     <p:spTree>
@@ -11536,7 +12350,7 @@
 </p:sld>
 </file>
 
-<file path=ppt/slides/slide7.xml><?xml version="1.0" encoding="utf-8"?>
+<file path=ppt/slides/slide8.xml><?xml version="1.0" encoding="utf-8"?>
 <p:sld xmlns:a="http://schemas.openxmlformats.org/drawingml/2006/main" xmlns:r="http://schemas.openxmlformats.org/officeDocument/2006/relationships" xmlns:p="http://schemas.openxmlformats.org/presentationml/2006/main">
   <p:cSld>
     <p:spTree>
@@ -11738,7 +12552,7 @@
 </p:sld>
 </file>
 
-<file path=ppt/slides/slide8.xml><?xml version="1.0" encoding="utf-8"?>
+<file path=ppt/slides/slide9.xml><?xml version="1.0" encoding="utf-8"?>
 <p:sld xmlns:a="http://schemas.openxmlformats.org/drawingml/2006/main" xmlns:r="http://schemas.openxmlformats.org/officeDocument/2006/relationships" xmlns:p="http://schemas.openxmlformats.org/presentationml/2006/main">
   <p:cSld>
     <p:spTree>
@@ -11900,184 +12714,6 @@
     <p:extLst>
       <p:ext uri="{BB962C8B-B14F-4D97-AF65-F5344CB8AC3E}">
         <p14:creationId xmlns:p14="http://schemas.microsoft.com/office/powerpoint/2010/main" val="3238212334"/>
-      </p:ext>
-    </p:extLst>
-  </p:cSld>
-  <p:clrMapOvr>
-    <a:masterClrMapping/>
-  </p:clrMapOvr>
-</p:sld>
-</file>
-
-<file path=ppt/slides/slide9.xml><?xml version="1.0" encoding="utf-8"?>
-<p:sld xmlns:a="http://schemas.openxmlformats.org/drawingml/2006/main" xmlns:r="http://schemas.openxmlformats.org/officeDocument/2006/relationships" xmlns:p="http://schemas.openxmlformats.org/presentationml/2006/main">
-  <p:cSld>
-    <p:spTree>
-      <p:nvGrpSpPr>
-        <p:cNvPr id="1" name=""/>
-        <p:cNvGrpSpPr/>
-        <p:nvPr/>
-      </p:nvGrpSpPr>
-      <p:grpSpPr>
-        <a:xfrm>
-          <a:off x="0" y="0"/>
-          <a:ext cx="0" cy="0"/>
-          <a:chOff x="0" y="0"/>
-          <a:chExt cx="0" cy="0"/>
-        </a:xfrm>
-      </p:grpSpPr>
-      <p:sp>
-        <p:nvSpPr>
-          <p:cNvPr id="2" name="Title 1">
-            <a:extLst>
-              <a:ext uri="{FF2B5EF4-FFF2-40B4-BE49-F238E27FC236}">
-                <a16:creationId xmlns:a16="http://schemas.microsoft.com/office/drawing/2014/main" id="{553CC5AE-27C1-9A56-ECBC-B3EB829462AD}"/>
-              </a:ext>
-            </a:extLst>
-          </p:cNvPr>
-          <p:cNvSpPr>
-            <a:spLocks noGrp="1"/>
-          </p:cNvSpPr>
-          <p:nvPr>
-            <p:ph type="title"/>
-          </p:nvPr>
-        </p:nvSpPr>
-        <p:spPr>
-          <a:xfrm>
-            <a:off x="323273" y="217350"/>
-            <a:ext cx="11545454" cy="734002"/>
-          </a:xfrm>
-        </p:spPr>
-        <p:txBody>
-          <a:bodyPr/>
-          <a:lstStyle/>
-          <a:p>
-            <a:r>
-              <a:rPr lang="en-US" dirty="0"/>
-              <a:t>Target-feature relationship</a:t>
-            </a:r>
-          </a:p>
-        </p:txBody>
-      </p:sp>
-      <p:pic>
-        <p:nvPicPr>
-          <p:cNvPr id="7" name="image16.png" descr="Chart, bar chart&#10;&#10;Description automatically generated">
-            <a:extLst>
-              <a:ext uri="{FF2B5EF4-FFF2-40B4-BE49-F238E27FC236}">
-                <a16:creationId xmlns:a16="http://schemas.microsoft.com/office/drawing/2014/main" id="{8F0E1A45-FB44-B798-745F-6682DA772E6D}"/>
-              </a:ext>
-            </a:extLst>
-          </p:cNvPr>
-          <p:cNvPicPr/>
-          <p:nvPr/>
-        </p:nvPicPr>
-        <p:blipFill>
-          <a:blip r:embed="rId3"/>
-          <a:srcRect/>
-          <a:stretch>
-            <a:fillRect/>
-          </a:stretch>
-        </p:blipFill>
-        <p:spPr>
-          <a:xfrm>
-            <a:off x="2549711" y="1916943"/>
-            <a:ext cx="7018037" cy="4138171"/>
-          </a:xfrm>
-          <a:prstGeom prst="rect">
-            <a:avLst/>
-          </a:prstGeom>
-          <a:ln/>
-        </p:spPr>
-      </p:pic>
-      <p:sp>
-        <p:nvSpPr>
-          <p:cNvPr id="8" name="Title 1">
-            <a:extLst>
-              <a:ext uri="{FF2B5EF4-FFF2-40B4-BE49-F238E27FC236}">
-                <a16:creationId xmlns:a16="http://schemas.microsoft.com/office/drawing/2014/main" id="{084E5C39-4AE2-5FE7-0DED-6B91A9D434DC}"/>
-              </a:ext>
-            </a:extLst>
-          </p:cNvPr>
-          <p:cNvSpPr txBox="1">
-            <a:spLocks/>
-          </p:cNvSpPr>
-          <p:nvPr/>
-        </p:nvSpPr>
-        <p:spPr>
-          <a:xfrm>
-            <a:off x="323272" y="1050324"/>
-            <a:ext cx="11545453" cy="902044"/>
-          </a:xfrm>
-          <a:prstGeom prst="rect">
-            <a:avLst/>
-          </a:prstGeom>
-        </p:spPr>
-        <p:txBody>
-          <a:bodyPr vert="horz" lIns="91440" tIns="45720" rIns="91440" bIns="45720" rtlCol="0" anchor="ctr">
-            <a:normAutofit/>
-          </a:bodyPr>
-          <a:lstStyle>
-            <a:lvl1pPr algn="l" defTabSz="914400" rtl="0" eaLnBrk="1" latinLnBrk="0" hangingPunct="1">
-              <a:lnSpc>
-                <a:spcPct val="90000"/>
-              </a:lnSpc>
-              <a:spcBef>
-                <a:spcPct val="0"/>
-              </a:spcBef>
-              <a:buNone/>
-              <a:defRPr sz="4400" kern="1200">
-                <a:solidFill>
-                  <a:schemeClr val="tx1"/>
-                </a:solidFill>
-                <a:latin typeface="+mj-lt"/>
-                <a:ea typeface="+mj-ea"/>
-                <a:cs typeface="+mj-cs"/>
-              </a:defRPr>
-            </a:lvl1pPr>
-          </a:lstStyle>
-          <a:p>
-            <a:pPr algn="ctr"/>
-            <a:r>
-              <a:rPr lang="en-US" sz="2800" dirty="0">
-                <a:effectLst/>
-                <a:latin typeface="+mn-lt"/>
-                <a:ea typeface="Times New Roman" panose="02020603050405020304" pitchFamily="18" charset="0"/>
-              </a:rPr>
-              <a:t>Drug Consumption Across </a:t>
-            </a:r>
-            <a:r>
-              <a:rPr lang="en-US" sz="2800" dirty="0" err="1">
-                <a:latin typeface="+mn-lt"/>
-                <a:ea typeface="Times New Roman" panose="02020603050405020304" pitchFamily="18" charset="0"/>
-              </a:rPr>
-              <a:t>C</a:t>
-            </a:r>
-            <a:r>
-              <a:rPr lang="en-US" sz="2800" dirty="0" err="1">
-                <a:effectLst/>
-                <a:latin typeface="+mn-lt"/>
-                <a:ea typeface="Times New Roman" panose="02020603050405020304" pitchFamily="18" charset="0"/>
-              </a:rPr>
-              <a:t>score</a:t>
-            </a:r>
-            <a:r>
-              <a:rPr lang="en-US" sz="2800" dirty="0">
-                <a:effectLst/>
-                <a:latin typeface="+mn-lt"/>
-                <a:ea typeface="Times New Roman" panose="02020603050405020304" pitchFamily="18" charset="0"/>
-              </a:rPr>
-              <a:t> (Conscientiousness) Quintiles</a:t>
-            </a:r>
-            <a:endParaRPr lang="en-US" sz="2800" dirty="0">
-              <a:latin typeface="+mn-lt"/>
-            </a:endParaRPr>
-          </a:p>
-        </p:txBody>
-      </p:sp>
-    </p:spTree>
-    <p:extLst>
-      <p:ext uri="{BB962C8B-B14F-4D97-AF65-F5344CB8AC3E}">
-        <p14:creationId xmlns:p14="http://schemas.microsoft.com/office/powerpoint/2010/main" val="1386719357"/>
       </p:ext>
     </p:extLst>
   </p:cSld>
